--- a/contents/baocaodoan.pptx
+++ b/contents/baocaodoan.pptx
@@ -1549,21 +1549,7 @@
                 </a:uFill>
                 <a:latin typeface="Arial"/>
               </a:rPr>
-              <a:t>Click to edit the </a:t>
-            </a:r>
-            <a:r>
-              <a:rPr b="0" lang="en-US" sz="4400" spc="-1" strike="noStrike">
-                <a:solidFill>
-                  <a:srgbClr val="000000"/>
-                </a:solidFill>
-                <a:uFill>
-                  <a:solidFill>
-                    <a:srgbClr val="ffffff"/>
-                  </a:solidFill>
-                </a:uFill>
-                <a:latin typeface="Arial"/>
-              </a:rPr>
-              <a:t>title text format</a:t>
+              <a:t>Click to edit the title text format</a:t>
             </a:r>
             <a:endParaRPr b="0" lang="en-US" sz="4400" spc="-1" strike="noStrike">
               <a:solidFill>
@@ -1893,7 +1879,7 @@
         <p:spPr>
           <a:xfrm>
             <a:off x="504000" y="301320"/>
-            <a:ext cx="9070560" cy="1261080"/>
+            <a:ext cx="9070200" cy="1260720"/>
           </a:xfrm>
           <a:prstGeom prst="rect">
             <a:avLst/>
@@ -1955,7 +1941,7 @@
         <p:spPr>
           <a:xfrm>
             <a:off x="504000" y="1755720"/>
-            <a:ext cx="9070560" cy="2723760"/>
+            <a:ext cx="9070200" cy="2723400"/>
           </a:xfrm>
           <a:prstGeom prst="rect">
             <a:avLst/>
@@ -2050,7 +2036,7 @@
         <p:spPr>
           <a:xfrm>
             <a:off x="457200" y="4937760"/>
-            <a:ext cx="9070560" cy="1521720"/>
+            <a:ext cx="9070200" cy="1521360"/>
           </a:xfrm>
           <a:prstGeom prst="rect">
             <a:avLst/>
@@ -2227,7 +2213,7 @@
         <p:spPr>
           <a:xfrm>
             <a:off x="457200" y="182880"/>
-            <a:ext cx="9070560" cy="913320"/>
+            <a:ext cx="9070200" cy="912960"/>
           </a:xfrm>
           <a:prstGeom prst="rect">
             <a:avLst/>
@@ -2293,7 +2279,7 @@
         <p:spPr>
           <a:xfrm>
             <a:off x="91440" y="2834640"/>
-            <a:ext cx="5026320" cy="3382200"/>
+            <a:ext cx="5025960" cy="3381840"/>
           </a:xfrm>
           <a:prstGeom prst="rect">
             <a:avLst/>
@@ -2316,7 +2302,7 @@
         <p:spPr>
           <a:xfrm>
             <a:off x="5196600" y="2834640"/>
-            <a:ext cx="4882320" cy="3290760"/>
+            <a:ext cx="4881960" cy="3290400"/>
           </a:xfrm>
           <a:prstGeom prst="rect">
             <a:avLst/>
@@ -2384,7 +2370,7 @@
         <p:spPr>
           <a:xfrm>
             <a:off x="457200" y="182880"/>
-            <a:ext cx="9070560" cy="913320"/>
+            <a:ext cx="9070200" cy="912960"/>
           </a:xfrm>
           <a:prstGeom prst="rect">
             <a:avLst/>
@@ -2446,7 +2432,7 @@
         <p:spPr>
           <a:xfrm>
             <a:off x="457200" y="1920240"/>
-            <a:ext cx="9142920" cy="2128320"/>
+            <a:ext cx="9142560" cy="2127960"/>
           </a:xfrm>
           <a:prstGeom prst="rect">
             <a:avLst/>
@@ -2465,7 +2451,7 @@
         <p:txBody>
           <a:bodyPr lIns="90000" rIns="90000" tIns="45000" bIns="45000"/>
           <a:p>
-            <a:pPr marL="216000" indent="-214920" algn="just">
+            <a:pPr marL="216000" indent="-214560" algn="just">
               <a:lnSpc>
                 <a:spcPct val="100000"/>
               </a:lnSpc>
@@ -2504,7 +2490,7 @@
             </a:endParaRPr>
           </a:p>
           <a:p>
-            <a:pPr marL="216000" indent="-214920" algn="just">
+            <a:pPr marL="216000" indent="-214560" algn="just">
               <a:lnSpc>
                 <a:spcPct val="100000"/>
               </a:lnSpc>
@@ -2543,7 +2529,7 @@
             </a:endParaRPr>
           </a:p>
           <a:p>
-            <a:pPr marL="216000" indent="-214920" algn="just">
+            <a:pPr marL="216000" indent="-214560" algn="just">
               <a:lnSpc>
                 <a:spcPct val="100000"/>
               </a:lnSpc>
@@ -2592,7 +2578,7 @@
         <p:spPr>
           <a:xfrm>
             <a:off x="457200" y="5037480"/>
-            <a:ext cx="9088920" cy="2276640"/>
+            <a:ext cx="9088560" cy="2276280"/>
           </a:xfrm>
           <a:prstGeom prst="rect">
             <a:avLst/>
@@ -2611,7 +2597,7 @@
         <p:txBody>
           <a:bodyPr lIns="90000" rIns="90000" tIns="45000" bIns="45000"/>
           <a:p>
-            <a:pPr marL="216000" indent="-214920" algn="just">
+            <a:pPr marL="216000" indent="-214560" algn="just">
               <a:lnSpc>
                 <a:spcPct val="100000"/>
               </a:lnSpc>
@@ -2650,7 +2636,7 @@
             </a:endParaRPr>
           </a:p>
           <a:p>
-            <a:pPr marL="216000" indent="-214920" algn="just">
+            <a:pPr marL="216000" indent="-214560" algn="just">
               <a:lnSpc>
                 <a:spcPct val="100000"/>
               </a:lnSpc>
@@ -2699,7 +2685,7 @@
         <p:spPr>
           <a:xfrm>
             <a:off x="91440" y="1005840"/>
-            <a:ext cx="3930840" cy="913320"/>
+            <a:ext cx="3930480" cy="912960"/>
           </a:xfrm>
           <a:prstGeom prst="rect">
             <a:avLst/>
@@ -2761,7 +2747,7 @@
         <p:spPr>
           <a:xfrm>
             <a:off x="548640" y="4023360"/>
-            <a:ext cx="2742120" cy="913320"/>
+            <a:ext cx="2741760" cy="912960"/>
           </a:xfrm>
           <a:prstGeom prst="rect">
             <a:avLst/>
@@ -2872,7 +2858,7 @@
         <p:spPr>
           <a:xfrm>
             <a:off x="548640" y="2652120"/>
-            <a:ext cx="9070560" cy="1736280"/>
+            <a:ext cx="9070200" cy="1735920"/>
           </a:xfrm>
           <a:prstGeom prst="rect">
             <a:avLst/>
@@ -2983,7 +2969,7 @@
         <p:spPr>
           <a:xfrm>
             <a:off x="504000" y="301320"/>
-            <a:ext cx="9070560" cy="1261080"/>
+            <a:ext cx="9070200" cy="1260720"/>
           </a:xfrm>
           <a:prstGeom prst="rect">
             <a:avLst/>
@@ -3049,7 +3035,7 @@
         <p:spPr>
           <a:xfrm>
             <a:off x="274320" y="1259640"/>
-            <a:ext cx="3107880" cy="2346840"/>
+            <a:ext cx="3107520" cy="2346480"/>
           </a:xfrm>
           <a:prstGeom prst="rect">
             <a:avLst/>
@@ -3068,7 +3054,7 @@
         <p:spPr>
           <a:xfrm>
             <a:off x="-91440" y="3568680"/>
-            <a:ext cx="4570920" cy="910800"/>
+            <a:ext cx="4570560" cy="910440"/>
           </a:xfrm>
           <a:prstGeom prst="rect">
             <a:avLst/>
@@ -3134,7 +3120,7 @@
         <p:spPr>
           <a:xfrm>
             <a:off x="4833720" y="1280160"/>
-            <a:ext cx="4217760" cy="2372400"/>
+            <a:ext cx="4217400" cy="2372040"/>
           </a:xfrm>
           <a:prstGeom prst="rect">
             <a:avLst/>
@@ -3153,7 +3139,7 @@
         <p:spPr>
           <a:xfrm>
             <a:off x="4846320" y="3566160"/>
-            <a:ext cx="4662360" cy="1004760"/>
+            <a:ext cx="4662000" cy="1004400"/>
           </a:xfrm>
           <a:prstGeom prst="rect">
             <a:avLst/>
@@ -3219,7 +3205,7 @@
         <p:spPr>
           <a:xfrm>
             <a:off x="5852160" y="4297680"/>
-            <a:ext cx="2467800" cy="2467800"/>
+            <a:ext cx="2467440" cy="2467440"/>
           </a:xfrm>
           <a:prstGeom prst="rect">
             <a:avLst/>
@@ -3238,7 +3224,7 @@
         <p:spPr>
           <a:xfrm>
             <a:off x="5669280" y="6583680"/>
-            <a:ext cx="3107880" cy="792360"/>
+            <a:ext cx="3107520" cy="792000"/>
           </a:xfrm>
           <a:prstGeom prst="rect">
             <a:avLst/>
@@ -3304,7 +3290,7 @@
         <p:spPr>
           <a:xfrm>
             <a:off x="640080" y="4355280"/>
-            <a:ext cx="3290760" cy="2257920"/>
+            <a:ext cx="3290400" cy="2257560"/>
           </a:xfrm>
           <a:prstGeom prst="rect">
             <a:avLst/>
@@ -3323,7 +3309,7 @@
         <p:spPr>
           <a:xfrm>
             <a:off x="-91440" y="6766560"/>
-            <a:ext cx="4570920" cy="636480"/>
+            <a:ext cx="4570560" cy="636120"/>
           </a:xfrm>
           <a:prstGeom prst="rect">
             <a:avLst/>
@@ -3434,7 +3420,7 @@
         <p:spPr>
           <a:xfrm>
             <a:off x="457200" y="182880"/>
-            <a:ext cx="9070560" cy="913320"/>
+            <a:ext cx="9070200" cy="912960"/>
           </a:xfrm>
           <a:prstGeom prst="rect">
             <a:avLst/>
@@ -3496,7 +3482,7 @@
         <p:spPr>
           <a:xfrm>
             <a:off x="731520" y="3017520"/>
-            <a:ext cx="2467800" cy="688320"/>
+            <a:ext cx="2467440" cy="687960"/>
           </a:xfrm>
           <a:prstGeom prst="rect">
             <a:avLst/>
@@ -3558,7 +3544,7 @@
         <p:spPr>
           <a:xfrm>
             <a:off x="4389120" y="3383280"/>
-            <a:ext cx="4662360" cy="704880"/>
+            <a:ext cx="4662000" cy="704520"/>
           </a:xfrm>
           <a:prstGeom prst="rect">
             <a:avLst/>
@@ -3620,7 +3606,7 @@
         <p:spPr>
           <a:xfrm>
             <a:off x="5120640" y="6613200"/>
-            <a:ext cx="3107880" cy="792360"/>
+            <a:ext cx="3107520" cy="792000"/>
           </a:xfrm>
           <a:prstGeom prst="rect">
             <a:avLst/>
@@ -3682,7 +3668,7 @@
         <p:spPr>
           <a:xfrm>
             <a:off x="365760" y="6858000"/>
-            <a:ext cx="2742120" cy="636480"/>
+            <a:ext cx="2741760" cy="636120"/>
           </a:xfrm>
           <a:prstGeom prst="rect">
             <a:avLst/>
@@ -3748,7 +3734,7 @@
         <p:spPr>
           <a:xfrm>
             <a:off x="548640" y="1097280"/>
-            <a:ext cx="2925000" cy="1846080"/>
+            <a:ext cx="2924640" cy="1845720"/>
           </a:xfrm>
           <a:prstGeom prst="rect">
             <a:avLst/>
@@ -3771,7 +3757,7 @@
         <p:spPr>
           <a:xfrm>
             <a:off x="200160" y="3647520"/>
-            <a:ext cx="3182040" cy="3392280"/>
+            <a:ext cx="3181680" cy="3391920"/>
           </a:xfrm>
           <a:prstGeom prst="rect">
             <a:avLst/>
@@ -3794,7 +3780,7 @@
         <p:spPr>
           <a:xfrm>
             <a:off x="4236840" y="822960"/>
-            <a:ext cx="4357440" cy="2690280"/>
+            <a:ext cx="4357080" cy="2689920"/>
           </a:xfrm>
           <a:prstGeom prst="rect">
             <a:avLst/>
@@ -3817,7 +3803,7 @@
         <p:spPr>
           <a:xfrm>
             <a:off x="4317120" y="4023360"/>
-            <a:ext cx="4551480" cy="2722680"/>
+            <a:ext cx="4551120" cy="2722320"/>
           </a:xfrm>
           <a:prstGeom prst="rect">
             <a:avLst/>
@@ -3885,7 +3871,7 @@
         <p:spPr>
           <a:xfrm>
             <a:off x="457200" y="182880"/>
-            <a:ext cx="9070560" cy="913320"/>
+            <a:ext cx="9070200" cy="912960"/>
           </a:xfrm>
           <a:prstGeom prst="rect">
             <a:avLst/>
@@ -3951,7 +3937,7 @@
         <p:spPr>
           <a:xfrm>
             <a:off x="129960" y="1371600"/>
-            <a:ext cx="3295440" cy="5851080"/>
+            <a:ext cx="3295080" cy="5850720"/>
           </a:xfrm>
           <a:prstGeom prst="rect">
             <a:avLst/>
@@ -3974,7 +3960,7 @@
         <p:spPr>
           <a:xfrm>
             <a:off x="3422520" y="1403280"/>
-            <a:ext cx="3251520" cy="5772960"/>
+            <a:ext cx="3251160" cy="5772600"/>
           </a:xfrm>
           <a:prstGeom prst="rect">
             <a:avLst/>
@@ -3997,7 +3983,7 @@
         <p:spPr>
           <a:xfrm>
             <a:off x="6675120" y="1463040"/>
-            <a:ext cx="3290760" cy="5842800"/>
+            <a:ext cx="3290400" cy="5842440"/>
           </a:xfrm>
           <a:prstGeom prst="rect">
             <a:avLst/>
@@ -4065,7 +4051,7 @@
         <p:spPr>
           <a:xfrm>
             <a:off x="457200" y="182880"/>
-            <a:ext cx="9070560" cy="913320"/>
+            <a:ext cx="9070200" cy="912960"/>
           </a:xfrm>
           <a:prstGeom prst="rect">
             <a:avLst/>
@@ -4131,7 +4117,7 @@
         <p:spPr>
           <a:xfrm>
             <a:off x="640080" y="884880"/>
-            <a:ext cx="8319960" cy="6530400"/>
+            <a:ext cx="8319600" cy="6530040"/>
           </a:xfrm>
           <a:prstGeom prst="rect">
             <a:avLst/>
@@ -4199,7 +4185,7 @@
         <p:spPr>
           <a:xfrm>
             <a:off x="457200" y="182880"/>
-            <a:ext cx="9070560" cy="913320"/>
+            <a:ext cx="9070200" cy="912960"/>
           </a:xfrm>
           <a:prstGeom prst="rect">
             <a:avLst/>
@@ -4236,7 +4222,7 @@
                 <a:latin typeface="Arial"/>
                 <a:ea typeface="DejaVu Sans"/>
               </a:rPr>
-              <a:t>LƯU ĐỒ NGUYÊN LÝ</a:t>
+              <a:t>SƠ ĐỒ NGUYÊN LÝ</a:t>
             </a:r>
             <a:endParaRPr b="0" lang="en-US" sz="1800" spc="-1" strike="noStrike">
               <a:solidFill>
@@ -4265,7 +4251,7 @@
         <p:spPr>
           <a:xfrm>
             <a:off x="640080" y="1188720"/>
-            <a:ext cx="8777160" cy="6131520"/>
+            <a:ext cx="8776800" cy="6131160"/>
           </a:xfrm>
           <a:prstGeom prst="rect">
             <a:avLst/>
@@ -4333,7 +4319,7 @@
         <p:spPr>
           <a:xfrm>
             <a:off x="457200" y="182880"/>
-            <a:ext cx="9070560" cy="913320"/>
+            <a:ext cx="9070200" cy="912960"/>
           </a:xfrm>
           <a:prstGeom prst="rect">
             <a:avLst/>
@@ -4399,7 +4385,7 @@
         <p:spPr>
           <a:xfrm>
             <a:off x="731520" y="924840"/>
-            <a:ext cx="8447040" cy="6318720"/>
+            <a:ext cx="8446680" cy="6318360"/>
           </a:xfrm>
           <a:prstGeom prst="rect">
             <a:avLst/>
@@ -4467,7 +4453,7 @@
         <p:spPr>
           <a:xfrm>
             <a:off x="457200" y="182880"/>
-            <a:ext cx="9070560" cy="913320"/>
+            <a:ext cx="9070200" cy="912960"/>
           </a:xfrm>
           <a:prstGeom prst="rect">
             <a:avLst/>
@@ -4533,7 +4519,7 @@
         <p:spPr>
           <a:xfrm>
             <a:off x="278280" y="1010880"/>
-            <a:ext cx="4452480" cy="5937480"/>
+            <a:ext cx="4452120" cy="5937120"/>
           </a:xfrm>
           <a:prstGeom prst="rect">
             <a:avLst/>
@@ -4556,7 +4542,7 @@
         <p:spPr>
           <a:xfrm>
             <a:off x="5029200" y="1005840"/>
-            <a:ext cx="4479480" cy="5973120"/>
+            <a:ext cx="4479120" cy="5972760"/>
           </a:xfrm>
           <a:prstGeom prst="rect">
             <a:avLst/>
@@ -4624,7 +4610,7 @@
         <p:spPr>
           <a:xfrm>
             <a:off x="457200" y="182880"/>
-            <a:ext cx="9070560" cy="913320"/>
+            <a:ext cx="9070200" cy="912960"/>
           </a:xfrm>
           <a:prstGeom prst="rect">
             <a:avLst/>
@@ -4690,7 +4676,7 @@
         <p:spPr>
           <a:xfrm>
             <a:off x="182880" y="1188720"/>
-            <a:ext cx="3473640" cy="6176520"/>
+            <a:ext cx="3473280" cy="6176160"/>
           </a:xfrm>
           <a:prstGeom prst="rect">
             <a:avLst/>
@@ -4713,7 +4699,7 @@
         <p:spPr>
           <a:xfrm>
             <a:off x="3707640" y="1128240"/>
-            <a:ext cx="5618160" cy="3808440"/>
+            <a:ext cx="5617800" cy="3808080"/>
           </a:xfrm>
           <a:prstGeom prst="rect">
             <a:avLst/>
